--- a/AngularJS Práctica Libre AW.pptx
+++ b/AngularJS Práctica Libre AW.pptx
@@ -11,6 +11,11 @@
     <p:sldId id="259" r:id="rId5"/>
     <p:sldId id="260" r:id="rId6"/>
     <p:sldId id="261" r:id="rId7"/>
+    <p:sldId id="262" r:id="rId8"/>
+    <p:sldId id="263" r:id="rId9"/>
+    <p:sldId id="264" r:id="rId10"/>
+    <p:sldId id="265" r:id="rId11"/>
+    <p:sldId id="266" r:id="rId12"/>
   </p:sldIdLst>
   <p:sldSz cx="12192000" cy="6858000"/>
   <p:notesSz cx="6858000" cy="9144000"/>
@@ -109,6 +114,11 @@
       </a:defRPr>
     </a:lvl9pPr>
   </p:defaultTextStyle>
+  <p:extLst>
+    <p:ext uri="{EFAFB233-063F-42B5-8137-9DF3F51BA10A}">
+      <p15:sldGuideLst xmlns:p15="http://schemas.microsoft.com/office/powerpoint/2012/main"/>
+    </p:ext>
+  </p:extLst>
 </p:presentation>
 </file>
 
@@ -301,7 +311,7 @@
           <a:p>
             <a:fld id="{9C00659A-BFFB-4DE8-ACB7-11BAC32A9AEC}" type="datetimeFigureOut">
               <a:rPr lang="es-ES" smtClean="0"/>
-              <a:t>29/04/2015</a:t>
+              <a:t>01/05/2015</a:t>
             </a:fld>
             <a:endParaRPr lang="es-ES"/>
           </a:p>
@@ -737,7 +747,7 @@
           <a:p>
             <a:fld id="{9C00659A-BFFB-4DE8-ACB7-11BAC32A9AEC}" type="datetimeFigureOut">
               <a:rPr lang="es-ES" smtClean="0"/>
-              <a:t>29/04/2015</a:t>
+              <a:t>01/05/2015</a:t>
             </a:fld>
             <a:endParaRPr lang="es-ES"/>
           </a:p>
@@ -985,7 +995,7 @@
           <a:p>
             <a:fld id="{9C00659A-BFFB-4DE8-ACB7-11BAC32A9AEC}" type="datetimeFigureOut">
               <a:rPr lang="es-ES" smtClean="0"/>
-              <a:t>29/04/2015</a:t>
+              <a:t>01/05/2015</a:t>
             </a:fld>
             <a:endParaRPr lang="es-ES"/>
           </a:p>
@@ -1291,7 +1301,7 @@
           <a:p>
             <a:fld id="{9C00659A-BFFB-4DE8-ACB7-11BAC32A9AEC}" type="datetimeFigureOut">
               <a:rPr lang="es-ES" smtClean="0"/>
-              <a:t>29/04/2015</a:t>
+              <a:t>01/05/2015</a:t>
             </a:fld>
             <a:endParaRPr lang="es-ES"/>
           </a:p>
@@ -1607,7 +1617,7 @@
           <a:p>
             <a:fld id="{9C00659A-BFFB-4DE8-ACB7-11BAC32A9AEC}" type="datetimeFigureOut">
               <a:rPr lang="es-ES" smtClean="0"/>
-              <a:t>29/04/2015</a:t>
+              <a:t>01/05/2015</a:t>
             </a:fld>
             <a:endParaRPr lang="es-ES"/>
           </a:p>
@@ -1907,7 +1917,7 @@
           <a:p>
             <a:fld id="{9C00659A-BFFB-4DE8-ACB7-11BAC32A9AEC}" type="datetimeFigureOut">
               <a:rPr lang="es-ES" smtClean="0"/>
-              <a:t>29/04/2015</a:t>
+              <a:t>01/05/2015</a:t>
             </a:fld>
             <a:endParaRPr lang="es-ES"/>
           </a:p>
@@ -2272,7 +2282,7 @@
           <a:p>
             <a:fld id="{9C00659A-BFFB-4DE8-ACB7-11BAC32A9AEC}" type="datetimeFigureOut">
               <a:rPr lang="es-ES" smtClean="0"/>
-              <a:t>29/04/2015</a:t>
+              <a:t>01/05/2015</a:t>
             </a:fld>
             <a:endParaRPr lang="es-ES"/>
           </a:p>
@@ -2446,7 +2456,7 @@
           <a:p>
             <a:fld id="{9C00659A-BFFB-4DE8-ACB7-11BAC32A9AEC}" type="datetimeFigureOut">
               <a:rPr lang="es-ES" smtClean="0"/>
-              <a:t>29/04/2015</a:t>
+              <a:t>01/05/2015</a:t>
             </a:fld>
             <a:endParaRPr lang="es-ES"/>
           </a:p>
@@ -2626,7 +2636,7 @@
           <a:p>
             <a:fld id="{9C00659A-BFFB-4DE8-ACB7-11BAC32A9AEC}" type="datetimeFigureOut">
               <a:rPr lang="es-ES" smtClean="0"/>
-              <a:t>29/04/2015</a:t>
+              <a:t>01/05/2015</a:t>
             </a:fld>
             <a:endParaRPr lang="es-ES"/>
           </a:p>
@@ -2796,7 +2806,7 @@
           <a:p>
             <a:fld id="{9C00659A-BFFB-4DE8-ACB7-11BAC32A9AEC}" type="datetimeFigureOut">
               <a:rPr lang="es-ES" smtClean="0"/>
-              <a:t>29/04/2015</a:t>
+              <a:t>01/05/2015</a:t>
             </a:fld>
             <a:endParaRPr lang="es-ES"/>
           </a:p>
@@ -3044,7 +3054,7 @@
           <a:p>
             <a:fld id="{9C00659A-BFFB-4DE8-ACB7-11BAC32A9AEC}" type="datetimeFigureOut">
               <a:rPr lang="es-ES" smtClean="0"/>
-              <a:t>29/04/2015</a:t>
+              <a:t>01/05/2015</a:t>
             </a:fld>
             <a:endParaRPr lang="es-ES"/>
           </a:p>
@@ -3280,7 +3290,7 @@
           <a:p>
             <a:fld id="{9C00659A-BFFB-4DE8-ACB7-11BAC32A9AEC}" type="datetimeFigureOut">
               <a:rPr lang="es-ES" smtClean="0"/>
-              <a:t>29/04/2015</a:t>
+              <a:t>01/05/2015</a:t>
             </a:fld>
             <a:endParaRPr lang="es-ES"/>
           </a:p>
@@ -3662,7 +3672,7 @@
           <a:p>
             <a:fld id="{9C00659A-BFFB-4DE8-ACB7-11BAC32A9AEC}" type="datetimeFigureOut">
               <a:rPr lang="es-ES" smtClean="0"/>
-              <a:t>29/04/2015</a:t>
+              <a:t>01/05/2015</a:t>
             </a:fld>
             <a:endParaRPr lang="es-ES"/>
           </a:p>
@@ -3780,7 +3790,7 @@
           <a:p>
             <a:fld id="{9C00659A-BFFB-4DE8-ACB7-11BAC32A9AEC}" type="datetimeFigureOut">
               <a:rPr lang="es-ES" smtClean="0"/>
-              <a:t>29/04/2015</a:t>
+              <a:t>01/05/2015</a:t>
             </a:fld>
             <a:endParaRPr lang="es-ES"/>
           </a:p>
@@ -3875,7 +3885,7 @@
           <a:p>
             <a:fld id="{9C00659A-BFFB-4DE8-ACB7-11BAC32A9AEC}" type="datetimeFigureOut">
               <a:rPr lang="es-ES" smtClean="0"/>
-              <a:t>29/04/2015</a:t>
+              <a:t>01/05/2015</a:t>
             </a:fld>
             <a:endParaRPr lang="es-ES"/>
           </a:p>
@@ -4130,7 +4140,7 @@
           <a:p>
             <a:fld id="{9C00659A-BFFB-4DE8-ACB7-11BAC32A9AEC}" type="datetimeFigureOut">
               <a:rPr lang="es-ES" smtClean="0"/>
-              <a:t>29/04/2015</a:t>
+              <a:t>01/05/2015</a:t>
             </a:fld>
             <a:endParaRPr lang="es-ES"/>
           </a:p>
@@ -4413,7 +4423,7 @@
           <a:p>
             <a:fld id="{9C00659A-BFFB-4DE8-ACB7-11BAC32A9AEC}" type="datetimeFigureOut">
               <a:rPr lang="es-ES" smtClean="0"/>
-              <a:t>29/04/2015</a:t>
+              <a:t>01/05/2015</a:t>
             </a:fld>
             <a:endParaRPr lang="es-ES"/>
           </a:p>
@@ -4828,7 +4838,7 @@
           <a:p>
             <a:fld id="{9C00659A-BFFB-4DE8-ACB7-11BAC32A9AEC}" type="datetimeFigureOut">
               <a:rPr lang="es-ES" smtClean="0"/>
-              <a:t>29/04/2015</a:t>
+              <a:t>01/05/2015</a:t>
             </a:fld>
             <a:endParaRPr lang="es-ES"/>
           </a:p>
@@ -5355,13 +5365,21 @@
             <p:ph type="ctrTitle"/>
           </p:nvPr>
         </p:nvSpPr>
-        <p:spPr/>
-        <p:txBody>
-          <a:bodyPr/>
-          <a:lstStyle/>
-          <a:p>
-            <a:r>
-              <a:rPr lang="es-ES" dirty="0" smtClean="0">
+        <p:spPr>
+          <a:xfrm>
+            <a:off x="684212" y="685799"/>
+            <a:ext cx="10924314" cy="2971801"/>
+          </a:xfrm>
+        </p:spPr>
+        <p:txBody>
+          <a:bodyPr>
+            <a:normAutofit/>
+          </a:bodyPr>
+          <a:lstStyle/>
+          <a:p>
+            <a:pPr algn="ctr"/>
+            <a:r>
+              <a:rPr lang="es-ES" sz="5400" dirty="0" smtClean="0">
                 <a:solidFill>
                   <a:schemeClr val="bg1">
                     <a:lumMod val="95000"/>
@@ -5371,7 +5389,7 @@
               </a:rPr>
               <a:t>ANGULARJS : Aplicación práctica</a:t>
             </a:r>
-            <a:endParaRPr lang="es-ES" dirty="0">
+            <a:endParaRPr lang="es-ES" sz="5400" dirty="0">
               <a:solidFill>
                 <a:schemeClr val="bg1">
                   <a:lumMod val="95000"/>
@@ -5392,22 +5410,29 @@
             <p:ph type="subTitle" idx="1"/>
           </p:nvPr>
         </p:nvSpPr>
-        <p:spPr/>
-        <p:txBody>
-          <a:bodyPr/>
-          <a:lstStyle/>
-          <a:p>
-            <a:r>
-              <a:rPr lang="es-ES" dirty="0" smtClean="0"/>
+        <p:spPr>
+          <a:xfrm>
+            <a:off x="684212" y="4392507"/>
+            <a:ext cx="6400800" cy="1947333"/>
+          </a:xfrm>
+        </p:spPr>
+        <p:txBody>
+          <a:bodyPr>
+            <a:normAutofit/>
+          </a:bodyPr>
+          <a:lstStyle/>
+          <a:p>
+            <a:r>
+              <a:rPr lang="es-ES" sz="2800" dirty="0" smtClean="0"/>
               <a:t>Juan Luis Pérez Valbuena</a:t>
             </a:r>
           </a:p>
           <a:p>
             <a:r>
-              <a:rPr lang="es-ES" dirty="0" smtClean="0"/>
+              <a:rPr lang="es-ES" sz="2800" dirty="0" smtClean="0"/>
               <a:t>4º Ingeniería del Software</a:t>
             </a:r>
-            <a:endParaRPr lang="es-ES" dirty="0"/>
+            <a:endParaRPr lang="es-ES" sz="2800" dirty="0"/>
           </a:p>
         </p:txBody>
       </p:sp>
@@ -5415,6 +5440,301 @@
     <p:extLst>
       <p:ext uri="{BB962C8B-B14F-4D97-AF65-F5344CB8AC3E}">
         <p14:creationId xmlns:p14="http://schemas.microsoft.com/office/powerpoint/2010/main" val="3078072084"/>
+      </p:ext>
+    </p:extLst>
+  </p:cSld>
+  <p:clrMapOvr>
+    <a:masterClrMapping/>
+  </p:clrMapOvr>
+  <p:timing>
+    <p:tnLst>
+      <p:par>
+        <p:cTn id="1" dur="indefinite" restart="never" nodeType="tmRoot"/>
+      </p:par>
+    </p:tnLst>
+  </p:timing>
+</p:sld>
+</file>
+
+<file path=ppt/slides/slide10.xml><?xml version="1.0" encoding="utf-8"?>
+<p:sld xmlns:a="http://schemas.openxmlformats.org/drawingml/2006/main" xmlns:r="http://schemas.openxmlformats.org/officeDocument/2006/relationships" xmlns:p="http://schemas.openxmlformats.org/presentationml/2006/main">
+  <p:cSld>
+    <p:spTree>
+      <p:nvGrpSpPr>
+        <p:cNvPr id="1" name=""/>
+        <p:cNvGrpSpPr/>
+        <p:nvPr/>
+      </p:nvGrpSpPr>
+      <p:grpSpPr>
+        <a:xfrm>
+          <a:off x="0" y="0"/>
+          <a:ext cx="0" cy="0"/>
+          <a:chOff x="0" y="0"/>
+          <a:chExt cx="0" cy="0"/>
+        </a:xfrm>
+      </p:grpSpPr>
+      <p:sp>
+        <p:nvSpPr>
+          <p:cNvPr id="2" name="Título 1"/>
+          <p:cNvSpPr>
+            <a:spLocks noGrp="1"/>
+          </p:cNvSpPr>
+          <p:nvPr>
+            <p:ph type="title"/>
+          </p:nvPr>
+        </p:nvSpPr>
+        <p:spPr>
+          <a:xfrm>
+            <a:off x="919343" y="133046"/>
+            <a:ext cx="8534400" cy="1507067"/>
+          </a:xfrm>
+        </p:spPr>
+        <p:txBody>
+          <a:bodyPr/>
+          <a:lstStyle/>
+          <a:p>
+            <a:r>
+              <a:rPr lang="es-ES" dirty="0" smtClean="0"/>
+              <a:t>ANGULAR JS CÓDIGO</a:t>
+            </a:r>
+            <a:endParaRPr lang="es-ES" dirty="0"/>
+          </a:p>
+        </p:txBody>
+      </p:sp>
+      <p:sp>
+        <p:nvSpPr>
+          <p:cNvPr id="8" name="CuadroTexto 7"/>
+          <p:cNvSpPr txBox="1"/>
+          <p:nvPr/>
+        </p:nvSpPr>
+        <p:spPr>
+          <a:xfrm>
+            <a:off x="10789920" y="6035040"/>
+            <a:ext cx="740908" cy="369332"/>
+          </a:xfrm>
+          <a:prstGeom prst="rect">
+            <a:avLst/>
+          </a:prstGeom>
+          <a:noFill/>
+        </p:spPr>
+        <p:txBody>
+          <a:bodyPr wrap="none" rtlCol="0">
+            <a:spAutoFit/>
+          </a:bodyPr>
+          <a:lstStyle/>
+          <a:p>
+            <a:r>
+              <a:rPr lang="es-ES" dirty="0" smtClean="0"/>
+              <a:t>10/11</a:t>
+            </a:r>
+            <a:endParaRPr lang="es-ES" dirty="0"/>
+          </a:p>
+        </p:txBody>
+      </p:sp>
+      <p:pic>
+        <p:nvPicPr>
+          <p:cNvPr id="5" name="Marcador de contenido 4"/>
+          <p:cNvPicPr>
+            <a:picLocks noGrp="1" noChangeAspect="1"/>
+          </p:cNvPicPr>
+          <p:nvPr>
+            <p:ph idx="1"/>
+          </p:nvPr>
+        </p:nvPicPr>
+        <p:blipFill>
+          <a:blip r:embed="rId2"/>
+          <a:stretch>
+            <a:fillRect/>
+          </a:stretch>
+        </p:blipFill>
+        <p:spPr>
+          <a:xfrm>
+            <a:off x="544874" y="1400865"/>
+            <a:ext cx="11126493" cy="4346792"/>
+          </a:xfrm>
+          <a:prstGeom prst="rect">
+            <a:avLst/>
+          </a:prstGeom>
+        </p:spPr>
+      </p:pic>
+    </p:spTree>
+    <p:extLst>
+      <p:ext uri="{BB962C8B-B14F-4D97-AF65-F5344CB8AC3E}">
+        <p14:creationId xmlns:p14="http://schemas.microsoft.com/office/powerpoint/2010/main" val="525021997"/>
+      </p:ext>
+    </p:extLst>
+  </p:cSld>
+  <p:clrMapOvr>
+    <a:masterClrMapping/>
+  </p:clrMapOvr>
+  <p:timing>
+    <p:tnLst>
+      <p:par>
+        <p:cTn id="1" dur="indefinite" restart="never" nodeType="tmRoot"/>
+      </p:par>
+    </p:tnLst>
+  </p:timing>
+</p:sld>
+</file>
+
+<file path=ppt/slides/slide11.xml><?xml version="1.0" encoding="utf-8"?>
+<p:sld xmlns:a="http://schemas.openxmlformats.org/drawingml/2006/main" xmlns:r="http://schemas.openxmlformats.org/officeDocument/2006/relationships" xmlns:p="http://schemas.openxmlformats.org/presentationml/2006/main">
+  <p:cSld>
+    <p:spTree>
+      <p:nvGrpSpPr>
+        <p:cNvPr id="1" name=""/>
+        <p:cNvGrpSpPr/>
+        <p:nvPr/>
+      </p:nvGrpSpPr>
+      <p:grpSpPr>
+        <a:xfrm>
+          <a:off x="0" y="0"/>
+          <a:ext cx="0" cy="0"/>
+          <a:chOff x="0" y="0"/>
+          <a:chExt cx="0" cy="0"/>
+        </a:xfrm>
+      </p:grpSpPr>
+      <p:sp>
+        <p:nvSpPr>
+          <p:cNvPr id="2" name="Título 1"/>
+          <p:cNvSpPr>
+            <a:spLocks noGrp="1"/>
+          </p:cNvSpPr>
+          <p:nvPr>
+            <p:ph type="title"/>
+          </p:nvPr>
+        </p:nvSpPr>
+        <p:spPr>
+          <a:xfrm>
+            <a:off x="692920" y="302622"/>
+            <a:ext cx="8534400" cy="1507067"/>
+          </a:xfrm>
+        </p:spPr>
+        <p:txBody>
+          <a:bodyPr/>
+          <a:lstStyle/>
+          <a:p>
+            <a:r>
+              <a:rPr lang="es-ES" dirty="0" smtClean="0"/>
+              <a:t>¿ Preguntas ?</a:t>
+            </a:r>
+            <a:endParaRPr lang="es-ES" dirty="0"/>
+          </a:p>
+        </p:txBody>
+      </p:sp>
+      <p:pic>
+        <p:nvPicPr>
+          <p:cNvPr id="5" name="Marcador de contenido 4"/>
+          <p:cNvPicPr>
+            <a:picLocks noGrp="1" noChangeAspect="1"/>
+          </p:cNvPicPr>
+          <p:nvPr>
+            <p:ph idx="1"/>
+          </p:nvPr>
+        </p:nvPicPr>
+        <p:blipFill>
+          <a:blip r:embed="rId2" cstate="print">
+            <a:extLst>
+              <a:ext uri="{28A0092B-C50C-407E-A947-70E740481C1C}">
+                <a14:useLocalDpi xmlns:a14="http://schemas.microsoft.com/office/drawing/2010/main" val="0"/>
+              </a:ext>
+            </a:extLst>
+          </a:blip>
+          <a:stretch>
+            <a:fillRect/>
+          </a:stretch>
+        </p:blipFill>
+        <p:spPr>
+          <a:xfrm>
+            <a:off x="3529839" y="1198255"/>
+            <a:ext cx="5080625" cy="5080625"/>
+          </a:xfrm>
+        </p:spPr>
+      </p:pic>
+      <p:sp>
+        <p:nvSpPr>
+          <p:cNvPr id="6" name="CuadroTexto 5"/>
+          <p:cNvSpPr txBox="1"/>
+          <p:nvPr/>
+        </p:nvSpPr>
+        <p:spPr>
+          <a:xfrm>
+            <a:off x="2185851" y="6278880"/>
+            <a:ext cx="7768602" cy="369332"/>
+          </a:xfrm>
+          <a:prstGeom prst="rect">
+            <a:avLst/>
+          </a:prstGeom>
+          <a:noFill/>
+        </p:spPr>
+        <p:txBody>
+          <a:bodyPr wrap="none" rtlCol="0">
+            <a:spAutoFit/>
+          </a:bodyPr>
+          <a:lstStyle/>
+          <a:p>
+            <a:r>
+              <a:rPr lang="es-ES" dirty="0" smtClean="0"/>
+              <a:t>Icono realizado por </a:t>
+            </a:r>
+            <a:r>
+              <a:rPr lang="es-ES" dirty="0" smtClean="0">
+                <a:hlinkClick r:id="rId3"/>
+              </a:rPr>
+              <a:t>coucou</a:t>
+            </a:r>
+            <a:r>
+              <a:rPr lang="es-ES" dirty="0" smtClean="0"/>
+              <a:t> desde </a:t>
+            </a:r>
+            <a:r>
+              <a:rPr lang="es-ES" dirty="0" smtClean="0">
+                <a:hlinkClick r:id="rId4"/>
+              </a:rPr>
+              <a:t>www.flaticon.com</a:t>
+            </a:r>
+            <a:r>
+              <a:rPr lang="es-ES" dirty="0" smtClean="0"/>
+              <a:t> [ CC BY 3.0 ]</a:t>
+            </a:r>
+            <a:endParaRPr lang="es-ES" dirty="0"/>
+          </a:p>
+        </p:txBody>
+      </p:sp>
+      <p:sp>
+        <p:nvSpPr>
+          <p:cNvPr id="7" name="CuadroTexto 6"/>
+          <p:cNvSpPr txBox="1"/>
+          <p:nvPr/>
+        </p:nvSpPr>
+        <p:spPr>
+          <a:xfrm>
+            <a:off x="10789920" y="6035040"/>
+            <a:ext cx="689612" cy="369332"/>
+          </a:xfrm>
+          <a:prstGeom prst="rect">
+            <a:avLst/>
+          </a:prstGeom>
+          <a:noFill/>
+        </p:spPr>
+        <p:txBody>
+          <a:bodyPr wrap="none" rtlCol="0">
+            <a:spAutoFit/>
+          </a:bodyPr>
+          <a:lstStyle/>
+          <a:p>
+            <a:r>
+              <a:rPr lang="es-ES" dirty="0" smtClean="0"/>
+              <a:t>11/11</a:t>
+            </a:r>
+            <a:endParaRPr lang="es-ES" dirty="0"/>
+          </a:p>
+        </p:txBody>
+      </p:sp>
+    </p:spTree>
+    <p:extLst>
+      <p:ext uri="{BB962C8B-B14F-4D97-AF65-F5344CB8AC3E}">
+        <p14:creationId xmlns:p14="http://schemas.microsoft.com/office/powerpoint/2010/main" val="270137972"/>
       </p:ext>
     </p:extLst>
   </p:cSld>
@@ -5502,35 +5822,38 @@
         </p:spPr>
         <p:txBody>
           <a:bodyPr>
-            <a:normAutofit/>
+            <a:noAutofit/>
           </a:bodyPr>
           <a:lstStyle/>
           <a:p>
             <a:r>
-              <a:rPr lang="es-ES" sz="2800" dirty="0" smtClean="0">
-                <a:solidFill>
-                  <a:schemeClr val="tx1">
-                    <a:lumMod val="85000"/>
+              <a:rPr lang="es-ES" sz="3200" dirty="0" smtClean="0">
+                <a:solidFill>
+                  <a:schemeClr val="bg1">
+                    <a:lumMod val="95000"/>
+                    <a:lumOff val="5000"/>
                   </a:schemeClr>
                 </a:solidFill>
               </a:rPr>
               <a:t>Es un </a:t>
             </a:r>
             <a:r>
-              <a:rPr lang="es-ES" sz="2800" dirty="0" err="1" smtClean="0">
-                <a:solidFill>
-                  <a:schemeClr val="tx1">
-                    <a:lumMod val="85000"/>
+              <a:rPr lang="es-ES" sz="3200" dirty="0" err="1" smtClean="0">
+                <a:solidFill>
+                  <a:schemeClr val="bg1">
+                    <a:lumMod val="95000"/>
+                    <a:lumOff val="5000"/>
                   </a:schemeClr>
                 </a:solidFill>
               </a:rPr>
               <a:t>framework</a:t>
             </a:r>
             <a:r>
-              <a:rPr lang="es-ES" sz="2800" dirty="0" smtClean="0">
-                <a:solidFill>
-                  <a:schemeClr val="tx1">
-                    <a:lumMod val="85000"/>
+              <a:rPr lang="es-ES" sz="3200" dirty="0" smtClean="0">
+                <a:solidFill>
+                  <a:schemeClr val="bg1">
+                    <a:lumMod val="95000"/>
+                    <a:lumOff val="5000"/>
                   </a:schemeClr>
                 </a:solidFill>
               </a:rPr>
@@ -5539,10 +5862,11 @@
           </a:p>
           <a:p>
             <a:r>
-              <a:rPr lang="es-ES" sz="2800" dirty="0" smtClean="0">
-                <a:solidFill>
-                  <a:schemeClr val="tx1">
-                    <a:lumMod val="85000"/>
+              <a:rPr lang="es-ES" sz="3200" dirty="0" smtClean="0">
+                <a:solidFill>
+                  <a:schemeClr val="bg1">
+                    <a:lumMod val="95000"/>
+                    <a:lumOff val="5000"/>
                   </a:schemeClr>
                 </a:solidFill>
               </a:rPr>
@@ -5551,10 +5875,11 @@
           </a:p>
           <a:p>
             <a:r>
-              <a:rPr lang="es-ES" sz="2800" dirty="0" smtClean="0">
-                <a:solidFill>
-                  <a:schemeClr val="tx1">
-                    <a:lumMod val="85000"/>
+              <a:rPr lang="es-ES" sz="3200" dirty="0" smtClean="0">
+                <a:solidFill>
+                  <a:schemeClr val="bg1">
+                    <a:lumMod val="95000"/>
+                    <a:lumOff val="5000"/>
                   </a:schemeClr>
                 </a:solidFill>
               </a:rPr>
@@ -5563,15 +5888,46 @@
           </a:p>
           <a:p>
             <a:r>
-              <a:rPr lang="es-ES" sz="2800" dirty="0" smtClean="0">
-                <a:solidFill>
-                  <a:schemeClr val="tx1">
-                    <a:lumMod val="85000"/>
+              <a:rPr lang="es-ES" sz="3200" dirty="0" smtClean="0">
+                <a:solidFill>
+                  <a:schemeClr val="bg1">
+                    <a:lumMod val="95000"/>
+                    <a:lumOff val="5000"/>
                   </a:schemeClr>
                 </a:solidFill>
               </a:rPr>
               <a:t>Todo el código se ejecuta lado servidor ( 100% JavaScript)</a:t>
             </a:r>
+          </a:p>
+        </p:txBody>
+      </p:sp>
+      <p:sp>
+        <p:nvSpPr>
+          <p:cNvPr id="4" name="CuadroTexto 3"/>
+          <p:cNvSpPr txBox="1"/>
+          <p:nvPr/>
+        </p:nvSpPr>
+        <p:spPr>
+          <a:xfrm>
+            <a:off x="10789920" y="6035040"/>
+            <a:ext cx="638316" cy="369332"/>
+          </a:xfrm>
+          <a:prstGeom prst="rect">
+            <a:avLst/>
+          </a:prstGeom>
+          <a:noFill/>
+        </p:spPr>
+        <p:txBody>
+          <a:bodyPr wrap="none" rtlCol="0">
+            <a:spAutoFit/>
+          </a:bodyPr>
+          <a:lstStyle/>
+          <a:p>
+            <a:r>
+              <a:rPr lang="es-ES" dirty="0" smtClean="0"/>
+              <a:t>2/11</a:t>
+            </a:r>
+            <a:endParaRPr lang="es-ES" dirty="0"/>
           </a:p>
         </p:txBody>
       </p:sp>
@@ -5660,91 +6016,234 @@
         </p:nvSpPr>
         <p:spPr>
           <a:xfrm>
-            <a:off x="684212" y="2273300"/>
-            <a:ext cx="8534400" cy="3615267"/>
+            <a:off x="684212" y="1644346"/>
+            <a:ext cx="11368451" cy="4390694"/>
           </a:xfrm>
         </p:spPr>
         <p:txBody>
-          <a:bodyPr/>
-          <a:lstStyle/>
-          <a:p>
-            <a:r>
-              <a:rPr lang="es-ES" dirty="0" smtClean="0"/>
+          <a:bodyPr>
+            <a:normAutofit lnSpcReduction="10000"/>
+          </a:bodyPr>
+          <a:lstStyle/>
+          <a:p>
+            <a:r>
+              <a:rPr lang="es-ES" sz="2600" dirty="0" smtClean="0">
+                <a:solidFill>
+                  <a:schemeClr val="bg1">
+                    <a:lumMod val="95000"/>
+                    <a:lumOff val="5000"/>
+                  </a:schemeClr>
+                </a:solidFill>
+              </a:rPr>
               <a:t>Gran popularidad debido al aumento de aplicaciones de Tipo MEAN( </a:t>
             </a:r>
             <a:r>
-              <a:rPr lang="es-ES" dirty="0" err="1" smtClean="0"/>
+              <a:rPr lang="es-ES" sz="2600" dirty="0" err="1" smtClean="0">
+                <a:solidFill>
+                  <a:schemeClr val="bg1">
+                    <a:lumMod val="95000"/>
+                    <a:lumOff val="5000"/>
+                  </a:schemeClr>
+                </a:solidFill>
+              </a:rPr>
               <a:t>MongoDB</a:t>
             </a:r>
             <a:r>
-              <a:rPr lang="es-ES" dirty="0" smtClean="0"/>
+              <a:rPr lang="es-ES" sz="2600" dirty="0" smtClean="0">
+                <a:solidFill>
+                  <a:schemeClr val="bg1">
+                    <a:lumMod val="95000"/>
+                    <a:lumOff val="5000"/>
+                  </a:schemeClr>
+                </a:solidFill>
+              </a:rPr>
               <a:t> / </a:t>
             </a:r>
             <a:r>
-              <a:rPr lang="es-ES" dirty="0" err="1" smtClean="0"/>
+              <a:rPr lang="es-ES" sz="2600" dirty="0" err="1" smtClean="0">
+                <a:solidFill>
+                  <a:schemeClr val="bg1">
+                    <a:lumMod val="95000"/>
+                    <a:lumOff val="5000"/>
+                  </a:schemeClr>
+                </a:solidFill>
+              </a:rPr>
               <a:t>Mongoose</a:t>
             </a:r>
             <a:r>
-              <a:rPr lang="es-ES" dirty="0" smtClean="0"/>
+              <a:rPr lang="es-ES" sz="2600" dirty="0" smtClean="0">
+                <a:solidFill>
+                  <a:schemeClr val="bg1">
+                    <a:lumMod val="95000"/>
+                    <a:lumOff val="5000"/>
+                  </a:schemeClr>
+                </a:solidFill>
+              </a:rPr>
               <a:t> , </a:t>
             </a:r>
             <a:r>
-              <a:rPr lang="es-ES" dirty="0" err="1" smtClean="0"/>
+              <a:rPr lang="es-ES" sz="2600" dirty="0" err="1" smtClean="0">
+                <a:solidFill>
+                  <a:schemeClr val="bg1">
+                    <a:lumMod val="95000"/>
+                    <a:lumOff val="5000"/>
+                  </a:schemeClr>
+                </a:solidFill>
+              </a:rPr>
               <a:t>ExpressJS</a:t>
             </a:r>
             <a:r>
-              <a:rPr lang="es-ES" dirty="0" smtClean="0"/>
+              <a:rPr lang="es-ES" sz="2600" dirty="0" smtClean="0">
+                <a:solidFill>
+                  <a:schemeClr val="bg1">
+                    <a:lumMod val="95000"/>
+                    <a:lumOff val="5000"/>
+                  </a:schemeClr>
+                </a:solidFill>
+              </a:rPr>
               <a:t> + </a:t>
             </a:r>
             <a:r>
-              <a:rPr lang="es-ES" dirty="0" err="1" smtClean="0"/>
+              <a:rPr lang="es-ES" sz="2600" dirty="0" err="1" smtClean="0">
+                <a:solidFill>
+                  <a:schemeClr val="bg1">
+                    <a:lumMod val="95000"/>
+                    <a:lumOff val="5000"/>
+                  </a:schemeClr>
+                </a:solidFill>
+              </a:rPr>
               <a:t>AngularJS</a:t>
             </a:r>
             <a:r>
-              <a:rPr lang="es-ES" dirty="0" smtClean="0"/>
+              <a:rPr lang="es-ES" sz="2600" dirty="0" smtClean="0">
+                <a:solidFill>
+                  <a:schemeClr val="bg1">
+                    <a:lumMod val="95000"/>
+                    <a:lumOff val="5000"/>
+                  </a:schemeClr>
+                </a:solidFill>
+              </a:rPr>
               <a:t> + </a:t>
             </a:r>
             <a:r>
-              <a:rPr lang="es-ES" dirty="0" err="1" smtClean="0"/>
+              <a:rPr lang="es-ES" sz="2600" dirty="0" err="1" smtClean="0">
+                <a:solidFill>
+                  <a:schemeClr val="bg1">
+                    <a:lumMod val="95000"/>
+                    <a:lumOff val="5000"/>
+                  </a:schemeClr>
+                </a:solidFill>
+              </a:rPr>
               <a:t>NodeJS</a:t>
             </a:r>
             <a:r>
-              <a:rPr lang="es-ES" dirty="0" smtClean="0"/>
+              <a:rPr lang="es-ES" sz="2600" dirty="0" smtClean="0">
+                <a:solidFill>
+                  <a:schemeClr val="bg1">
+                    <a:lumMod val="95000"/>
+                    <a:lumOff val="5000"/>
+                  </a:schemeClr>
+                </a:solidFill>
+              </a:rPr>
               <a:t>).</a:t>
             </a:r>
           </a:p>
           <a:p>
             <a:r>
-              <a:rPr lang="es-ES" dirty="0" smtClean="0"/>
-              <a:t>Solo 50KB comprimido de </a:t>
-            </a:r>
-          </a:p>
-          <a:p>
-            <a:r>
-              <a:rPr lang="es-ES" dirty="0" smtClean="0"/>
+              <a:rPr lang="es-ES" sz="2600" dirty="0" smtClean="0">
+                <a:solidFill>
+                  <a:schemeClr val="bg1">
+                    <a:lumMod val="95000"/>
+                    <a:lumOff val="5000"/>
+                  </a:schemeClr>
+                </a:solidFill>
+              </a:rPr>
+              <a:t>Solo 50KB comprimido </a:t>
+            </a:r>
+            <a:r>
+              <a:rPr lang="es-ES" sz="2600" dirty="0" smtClean="0">
+                <a:solidFill>
+                  <a:schemeClr val="bg1">
+                    <a:lumMod val="95000"/>
+                    <a:lumOff val="5000"/>
+                  </a:schemeClr>
+                </a:solidFill>
+              </a:rPr>
+              <a:t>y “</a:t>
+            </a:r>
+            <a:r>
+              <a:rPr lang="es-ES" sz="2600" dirty="0" err="1" smtClean="0">
+                <a:solidFill>
+                  <a:schemeClr val="bg1">
+                    <a:lumMod val="95000"/>
+                    <a:lumOff val="5000"/>
+                  </a:schemeClr>
+                </a:solidFill>
+              </a:rPr>
+              <a:t>minified</a:t>
+            </a:r>
+            <a:r>
+              <a:rPr lang="es-ES" sz="2600" dirty="0" smtClean="0">
+                <a:solidFill>
+                  <a:schemeClr val="bg1">
+                    <a:lumMod val="95000"/>
+                    <a:lumOff val="5000"/>
+                  </a:schemeClr>
+                </a:solidFill>
+              </a:rPr>
+              <a:t>”</a:t>
+            </a:r>
+            <a:endParaRPr lang="es-ES" sz="2600" dirty="0" smtClean="0">
+              <a:solidFill>
+                <a:schemeClr val="bg1">
+                  <a:lumMod val="95000"/>
+                  <a:lumOff val="5000"/>
+                </a:schemeClr>
+              </a:solidFill>
+            </a:endParaRPr>
+          </a:p>
+          <a:p>
+            <a:r>
+              <a:rPr lang="es-ES" sz="2600" dirty="0" smtClean="0">
+                <a:solidFill>
+                  <a:schemeClr val="bg1">
+                    <a:lumMod val="95000"/>
+                    <a:lumOff val="5000"/>
+                  </a:schemeClr>
+                </a:solidFill>
+              </a:rPr>
               <a:t>Soportado y mantenido por Google.</a:t>
             </a:r>
           </a:p>
           <a:p>
             <a:r>
-              <a:rPr lang="es-ES" dirty="0" smtClean="0"/>
+              <a:rPr lang="es-ES" sz="2600" dirty="0" smtClean="0">
+                <a:solidFill>
+                  <a:schemeClr val="bg1">
+                    <a:lumMod val="95000"/>
+                    <a:lumOff val="5000"/>
+                  </a:schemeClr>
+                </a:solidFill>
+              </a:rPr>
               <a:t>Extensa y clara documentación </a:t>
             </a:r>
             <a:r>
-              <a:rPr lang="es-ES" dirty="0">
-                <a:solidFill>
-                  <a:schemeClr val="tx1">
-                    <a:lumMod val="85000"/>
+              <a:rPr lang="es-ES" sz="2600" dirty="0">
+                <a:solidFill>
+                  <a:schemeClr val="bg1">
+                    <a:lumMod val="95000"/>
+                    <a:lumOff val="5000"/>
                   </a:schemeClr>
                 </a:solidFill>
               </a:rPr>
               <a:t> </a:t>
             </a:r>
             <a:r>
-              <a:rPr lang="es-ES" dirty="0">
-                <a:solidFill>
-                  <a:schemeClr val="tx1">
-                    <a:lumMod val="85000"/>
+              <a:rPr lang="es-ES" sz="2600" dirty="0">
+                <a:solidFill>
+                  <a:schemeClr val="bg1">
+                    <a:lumMod val="95000"/>
+                    <a:lumOff val="5000"/>
                   </a:schemeClr>
                 </a:solidFill>
                 <a:hlinkClick r:id="rId2"/>
@@ -5752,40 +6251,44 @@
               <a:t>https://</a:t>
             </a:r>
             <a:r>
-              <a:rPr lang="es-ES" dirty="0" smtClean="0">
-                <a:solidFill>
-                  <a:schemeClr val="tx1">
-                    <a:lumMod val="85000"/>
+              <a:rPr lang="es-ES" sz="2600" dirty="0" smtClean="0">
+                <a:solidFill>
+                  <a:schemeClr val="bg1">
+                    <a:lumMod val="95000"/>
+                    <a:lumOff val="5000"/>
                   </a:schemeClr>
                 </a:solidFill>
                 <a:hlinkClick r:id="rId2"/>
               </a:rPr>
               <a:t>docs.angularjs.org</a:t>
             </a:r>
-            <a:endParaRPr lang="es-ES" dirty="0" smtClean="0">
+            <a:endParaRPr lang="es-ES" sz="2600" dirty="0" smtClean="0">
               <a:solidFill>
-                <a:schemeClr val="tx1">
-                  <a:lumMod val="85000"/>
+                <a:schemeClr val="bg1">
+                  <a:lumMod val="95000"/>
+                  <a:lumOff val="5000"/>
                 </a:schemeClr>
               </a:solidFill>
             </a:endParaRPr>
           </a:p>
           <a:p>
             <a:r>
-              <a:rPr lang="es-ES" dirty="0">
-                <a:solidFill>
-                  <a:schemeClr val="tx1">
-                    <a:lumMod val="85000"/>
+              <a:rPr lang="es-ES" sz="2600" dirty="0">
+                <a:solidFill>
+                  <a:schemeClr val="bg1">
+                    <a:lumMod val="95000"/>
+                    <a:lumOff val="5000"/>
                   </a:schemeClr>
                 </a:solidFill>
               </a:rPr>
               <a:t>Descarga </a:t>
             </a:r>
             <a:r>
-              <a:rPr lang="es-ES" dirty="0">
-                <a:solidFill>
-                  <a:schemeClr val="tx1">
-                    <a:lumMod val="85000"/>
+              <a:rPr lang="es-ES" sz="2600" dirty="0">
+                <a:solidFill>
+                  <a:schemeClr val="bg1">
+                    <a:lumMod val="95000"/>
+                    <a:lumOff val="5000"/>
                   </a:schemeClr>
                 </a:solidFill>
                 <a:hlinkClick r:id="rId3"/>
@@ -5793,60 +6296,66 @@
               <a:t>https://angularjs.org</a:t>
             </a:r>
             <a:r>
-              <a:rPr lang="es-ES" dirty="0" smtClean="0">
-                <a:solidFill>
-                  <a:schemeClr val="tx1">
-                    <a:lumMod val="85000"/>
+              <a:rPr lang="es-ES" sz="2600" dirty="0" smtClean="0">
+                <a:solidFill>
+                  <a:schemeClr val="bg1">
+                    <a:lumMod val="95000"/>
+                    <a:lumOff val="5000"/>
                   </a:schemeClr>
                 </a:solidFill>
                 <a:hlinkClick r:id="rId3"/>
               </a:rPr>
               <a:t>/</a:t>
             </a:r>
-            <a:endParaRPr lang="es-ES" dirty="0" smtClean="0">
+            <a:endParaRPr lang="es-ES" sz="2600" dirty="0" smtClean="0">
               <a:solidFill>
-                <a:schemeClr val="tx1">
-                  <a:lumMod val="85000"/>
+                <a:schemeClr val="bg1">
+                  <a:lumMod val="95000"/>
+                  <a:lumOff val="5000"/>
                 </a:schemeClr>
               </a:solidFill>
             </a:endParaRPr>
           </a:p>
           <a:p>
             <a:r>
-              <a:rPr lang="es-ES" dirty="0" smtClean="0">
-                <a:solidFill>
-                  <a:schemeClr val="tx1">
-                    <a:lumMod val="85000"/>
+              <a:rPr lang="es-ES" sz="2600" dirty="0" smtClean="0">
+                <a:solidFill>
+                  <a:schemeClr val="bg1">
+                    <a:lumMod val="95000"/>
+                    <a:lumOff val="5000"/>
                   </a:schemeClr>
                 </a:solidFill>
               </a:rPr>
               <a:t>Ejemplos de aplicaciones con </a:t>
             </a:r>
             <a:r>
-              <a:rPr lang="es-ES" dirty="0" err="1" smtClean="0">
-                <a:solidFill>
-                  <a:schemeClr val="tx1">
-                    <a:lumMod val="85000"/>
+              <a:rPr lang="es-ES" sz="2600" dirty="0" err="1" smtClean="0">
+                <a:solidFill>
+                  <a:schemeClr val="bg1">
+                    <a:lumMod val="95000"/>
+                    <a:lumOff val="5000"/>
                   </a:schemeClr>
                 </a:solidFill>
               </a:rPr>
               <a:t>AngularJS</a:t>
             </a:r>
             <a:r>
-              <a:rPr lang="es-ES" dirty="0">
-                <a:solidFill>
-                  <a:schemeClr val="tx1">
-                    <a:lumMod val="85000"/>
+              <a:rPr lang="es-ES" sz="2600" dirty="0">
+                <a:solidFill>
+                  <a:schemeClr val="bg1">
+                    <a:lumMod val="95000"/>
+                    <a:lumOff val="5000"/>
                   </a:schemeClr>
                 </a:solidFill>
               </a:rPr>
               <a:t> : </a:t>
             </a:r>
             <a:r>
-              <a:rPr lang="es-ES" dirty="0">
-                <a:solidFill>
-                  <a:schemeClr val="tx1">
-                    <a:lumMod val="85000"/>
+              <a:rPr lang="es-ES" sz="2600" dirty="0">
+                <a:solidFill>
+                  <a:schemeClr val="bg1">
+                    <a:lumMod val="95000"/>
+                    <a:lumOff val="5000"/>
                   </a:schemeClr>
                 </a:solidFill>
                 <a:hlinkClick r:id="rId4"/>
@@ -5854,43 +6363,57 @@
               <a:t>https://builtwith.angularjs.org</a:t>
             </a:r>
             <a:r>
-              <a:rPr lang="es-ES" dirty="0" smtClean="0">
-                <a:solidFill>
-                  <a:schemeClr val="tx1">
-                    <a:lumMod val="85000"/>
+              <a:rPr lang="es-ES" sz="2600" dirty="0" smtClean="0">
+                <a:solidFill>
+                  <a:schemeClr val="bg1">
+                    <a:lumMod val="95000"/>
+                    <a:lumOff val="5000"/>
                   </a:schemeClr>
                 </a:solidFill>
                 <a:hlinkClick r:id="rId4"/>
               </a:rPr>
               <a:t>/</a:t>
             </a:r>
-            <a:endParaRPr lang="es-ES" dirty="0" smtClean="0">
+            <a:endParaRPr lang="es-ES" sz="2600" dirty="0" smtClean="0">
               <a:solidFill>
-                <a:schemeClr val="tx1">
-                  <a:lumMod val="85000"/>
+                <a:schemeClr val="bg1">
+                  <a:lumMod val="95000"/>
+                  <a:lumOff val="5000"/>
                 </a:schemeClr>
               </a:solidFill>
             </a:endParaRPr>
           </a:p>
           <a:p>
-            <a:endParaRPr lang="es-ES" dirty="0" smtClean="0">
-              <a:solidFill>
-                <a:schemeClr val="tx1">
-                  <a:lumMod val="85000"/>
-                </a:schemeClr>
-              </a:solidFill>
-            </a:endParaRPr>
-          </a:p>
-          <a:p>
-            <a:endParaRPr lang="es-ES" dirty="0">
-              <a:solidFill>
-                <a:schemeClr val="tx1">
-                  <a:lumMod val="85000"/>
-                </a:schemeClr>
-              </a:solidFill>
-            </a:endParaRPr>
-          </a:p>
-          <a:p>
+            <a:endParaRPr lang="es-ES" dirty="0"/>
+          </a:p>
+        </p:txBody>
+      </p:sp>
+      <p:sp>
+        <p:nvSpPr>
+          <p:cNvPr id="4" name="CuadroTexto 3"/>
+          <p:cNvSpPr txBox="1"/>
+          <p:nvPr/>
+        </p:nvSpPr>
+        <p:spPr>
+          <a:xfrm>
+            <a:off x="10789920" y="6035040"/>
+            <a:ext cx="638316" cy="369332"/>
+          </a:xfrm>
+          <a:prstGeom prst="rect">
+            <a:avLst/>
+          </a:prstGeom>
+          <a:noFill/>
+        </p:spPr>
+        <p:txBody>
+          <a:bodyPr wrap="none" rtlCol="0">
+            <a:spAutoFit/>
+          </a:bodyPr>
+          <a:lstStyle/>
+          <a:p>
+            <a:r>
+              <a:rPr lang="es-ES" dirty="0" smtClean="0"/>
+              <a:t>3/11</a:t>
+            </a:r>
             <a:endParaRPr lang="es-ES" dirty="0"/>
           </a:p>
         </p:txBody>
@@ -5905,6 +6428,13 @@
   <p:clrMapOvr>
     <a:masterClrMapping/>
   </p:clrMapOvr>
+  <p:timing>
+    <p:tnLst>
+      <p:par>
+        <p:cTn id="1" dur="indefinite" restart="never" nodeType="tmRoot"/>
+      </p:par>
+    </p:tnLst>
+  </p:timing>
 </p:sld>
 </file>
 
@@ -5970,14 +6500,14 @@
           <p:nvPr>
             <p:extLst>
               <p:ext uri="{D42A27DB-BD31-4B8C-83A1-F6EECF244321}">
-                <p14:modId xmlns:p14="http://schemas.microsoft.com/office/powerpoint/2010/main" val="3732050383"/>
+                <p14:modId xmlns:p14="http://schemas.microsoft.com/office/powerpoint/2010/main" val="3819684993"/>
               </p:ext>
             </p:extLst>
           </p:nvPr>
         </p:nvGraphicFramePr>
         <p:xfrm>
           <a:off x="914400" y="1790700"/>
-          <a:ext cx="8128000" cy="3583939"/>
+          <a:ext cx="8128000" cy="3213099"/>
         </p:xfrm>
         <a:graphic>
           <a:graphicData uri="http://schemas.openxmlformats.org/drawingml/2006/table">
@@ -6325,48 +6855,6 @@
                   <a:tcPr/>
                 </a:tc>
               </a:tr>
-              <a:tr h="370840">
-                <a:tc>
-                  <a:txBody>
-                    <a:bodyPr/>
-                    <a:lstStyle/>
-                    <a:p>
-                      <a:endParaRPr lang="es-ES" dirty="0"/>
-                    </a:p>
-                  </a:txBody>
-                  <a:tcPr/>
-                </a:tc>
-                <a:tc>
-                  <a:txBody>
-                    <a:bodyPr/>
-                    <a:lstStyle/>
-                    <a:p>
-                      <a:endParaRPr lang="es-ES"/>
-                    </a:p>
-                  </a:txBody>
-                  <a:tcPr/>
-                </a:tc>
-                <a:tc>
-                  <a:txBody>
-                    <a:bodyPr/>
-                    <a:lstStyle/>
-                    <a:p>
-                      <a:endParaRPr lang="es-ES"/>
-                    </a:p>
-                  </a:txBody>
-                  <a:tcPr/>
-                </a:tc>
-                <a:tc>
-                  <a:txBody>
-                    <a:bodyPr/>
-                    <a:lstStyle/>
-                    <a:p>
-                      <a:endParaRPr lang="es-ES" dirty="0"/>
-                    </a:p>
-                  </a:txBody>
-                  <a:tcPr/>
-                </a:tc>
-              </a:tr>
             </a:tbl>
           </a:graphicData>
         </a:graphic>
@@ -6383,7 +6871,7 @@
         </p:nvSpPr>
         <p:spPr>
           <a:xfrm>
-            <a:off x="912812" y="5541433"/>
+            <a:off x="738640" y="5193090"/>
             <a:ext cx="8534400" cy="1087968"/>
           </a:xfrm>
         </p:spPr>
@@ -6391,10 +6879,41 @@
           <a:bodyPr/>
           <a:lstStyle/>
           <a:p>
+            <a:pPr algn="ctr"/>
             <a:r>
               <a:rPr lang="es-ES" dirty="0"/>
               <a:t>https://www.airpair.com/js/javascript-framework-comparison</a:t>
             </a:r>
+          </a:p>
+        </p:txBody>
+      </p:sp>
+      <p:sp>
+        <p:nvSpPr>
+          <p:cNvPr id="7" name="CuadroTexto 6"/>
+          <p:cNvSpPr txBox="1"/>
+          <p:nvPr/>
+        </p:nvSpPr>
+        <p:spPr>
+          <a:xfrm>
+            <a:off x="10789920" y="6035040"/>
+            <a:ext cx="638316" cy="369332"/>
+          </a:xfrm>
+          <a:prstGeom prst="rect">
+            <a:avLst/>
+          </a:prstGeom>
+          <a:noFill/>
+        </p:spPr>
+        <p:txBody>
+          <a:bodyPr wrap="none" rtlCol="0">
+            <a:spAutoFit/>
+          </a:bodyPr>
+          <a:lstStyle/>
+          <a:p>
+            <a:r>
+              <a:rPr lang="es-ES" dirty="0" smtClean="0"/>
+              <a:t>4/11</a:t>
+            </a:r>
+            <a:endParaRPr lang="es-ES" dirty="0"/>
           </a:p>
         </p:txBody>
       </p:sp>
@@ -6408,6 +6927,13 @@
   <p:clrMapOvr>
     <a:masterClrMapping/>
   </p:clrMapOvr>
+  <p:timing>
+    <p:tnLst>
+      <p:par>
+        <p:cTn id="1" dur="indefinite" restart="never" nodeType="tmRoot"/>
+      </p:par>
+    </p:tnLst>
+  </p:timing>
 </p:sld>
 </file>
 
@@ -6468,67 +6994,62 @@
         </p:nvSpPr>
         <p:spPr>
           <a:xfrm>
-            <a:off x="735012" y="2082800"/>
-            <a:ext cx="11101388" cy="3615267"/>
+            <a:off x="491172" y="4877714"/>
+            <a:ext cx="11101388" cy="1489166"/>
           </a:xfrm>
         </p:spPr>
         <p:txBody>
           <a:bodyPr>
-            <a:normAutofit/>
+            <a:normAutofit fontScale="70000" lnSpcReduction="20000"/>
           </a:bodyPr>
           <a:lstStyle/>
           <a:p>
             <a:endParaRPr lang="es-ES" dirty="0" smtClean="0"/>
           </a:p>
           <a:p>
-            <a:endParaRPr lang="es-ES" dirty="0"/>
-          </a:p>
-          <a:p>
-            <a:endParaRPr lang="es-ES" dirty="0" smtClean="0"/>
-          </a:p>
-          <a:p>
-            <a:endParaRPr lang="es-ES" dirty="0" smtClean="0"/>
-          </a:p>
-          <a:p>
-            <a:r>
-              <a:rPr lang="es-ES" dirty="0"/>
-              <a:t>https://www.google.com/trends/explore?hl=en-US#q=ember.js,+angularjs,+backbone.js&amp;cmpt=q</a:t>
-            </a:r>
-          </a:p>
-          <a:p>
-            <a:r>
-              <a:rPr lang="es-ES" dirty="0" smtClean="0"/>
+            <a:r>
+              <a:rPr lang="es-ES" sz="2300" dirty="0" smtClean="0"/>
+              <a:t>https</a:t>
+            </a:r>
+            <a:r>
+              <a:rPr lang="es-ES" sz="2300" dirty="0"/>
+              <a:t>://www.google.com/trends/explore?hl=en-US#q=ember.js,+angularjs,+backbone.js&amp;cmpt=q</a:t>
+            </a:r>
+          </a:p>
+          <a:p>
+            <a:r>
+              <a:rPr lang="es-ES" sz="2300" dirty="0" smtClean="0"/>
               <a:t>¿ Porque </a:t>
             </a:r>
             <a:r>
-              <a:rPr lang="es-ES" dirty="0" err="1" smtClean="0"/>
+              <a:rPr lang="es-ES" sz="2300" dirty="0" err="1" smtClean="0"/>
               <a:t>AngularJS</a:t>
             </a:r>
             <a:r>
-              <a:rPr lang="es-ES" dirty="0" smtClean="0"/>
+              <a:rPr lang="es-ES" sz="2300" dirty="0" smtClean="0"/>
               <a:t> se llama así ? ¿ Por qué el espacio de nombres se llama “</a:t>
             </a:r>
             <a:r>
-              <a:rPr lang="es-ES" dirty="0" err="1" smtClean="0"/>
+              <a:rPr lang="es-ES" sz="2300" dirty="0" err="1" smtClean="0"/>
               <a:t>ng</a:t>
             </a:r>
             <a:r>
-              <a:rPr lang="es-ES" dirty="0" smtClean="0"/>
+              <a:rPr lang="es-ES" sz="2300" dirty="0" smtClean="0"/>
               <a:t>”?</a:t>
             </a:r>
           </a:p>
           <a:p>
             <a:pPr lvl="1"/>
             <a:r>
-              <a:rPr lang="es-ES" dirty="0" smtClean="0"/>
+              <a:rPr lang="es-ES" sz="2100" dirty="0" smtClean="0"/>
               <a:t>Porque HTML tiene corchetes angulares y </a:t>
             </a:r>
             <a:r>
-              <a:rPr lang="es-ES" dirty="0" err="1" smtClean="0"/>
+              <a:rPr lang="es-ES" sz="2100" dirty="0" err="1" smtClean="0"/>
               <a:t>ng</a:t>
             </a:r>
             <a:r>
-              <a:rPr lang="es-ES" dirty="0" smtClean="0"/>
+              <a:rPr lang="es-ES" sz="2100" dirty="0" smtClean="0"/>
               <a:t> suena como Angular ( en inglés )</a:t>
             </a:r>
           </a:p>
@@ -6553,14 +7074,48 @@
         </p:blipFill>
         <p:spPr>
           <a:xfrm>
-            <a:off x="1203325" y="1611312"/>
-            <a:ext cx="4930775" cy="2013023"/>
+            <a:off x="1194617" y="1454557"/>
+            <a:ext cx="8384812" cy="3423157"/>
           </a:xfrm>
           <a:prstGeom prst="rect">
             <a:avLst/>
           </a:prstGeom>
         </p:spPr>
       </p:pic>
+      <p:sp>
+        <p:nvSpPr>
+          <p:cNvPr id="5" name="CuadroTexto 4"/>
+          <p:cNvSpPr txBox="1"/>
+          <p:nvPr/>
+        </p:nvSpPr>
+        <p:spPr>
+          <a:xfrm>
+            <a:off x="10789920" y="6035040"/>
+            <a:ext cx="638316" cy="369332"/>
+          </a:xfrm>
+          <a:prstGeom prst="rect">
+            <a:avLst/>
+          </a:prstGeom>
+          <a:noFill/>
+        </p:spPr>
+        <p:txBody>
+          <a:bodyPr wrap="none" rtlCol="0">
+            <a:spAutoFit/>
+          </a:bodyPr>
+          <a:lstStyle/>
+          <a:p>
+            <a:r>
+              <a:rPr lang="es-ES" dirty="0"/>
+              <a:t>5</a:t>
+            </a:r>
+            <a:r>
+              <a:rPr lang="es-ES" dirty="0" smtClean="0"/>
+              <a:t>/11</a:t>
+            </a:r>
+            <a:endParaRPr lang="es-ES" dirty="0"/>
+          </a:p>
+        </p:txBody>
+      </p:sp>
     </p:spTree>
     <p:extLst>
       <p:ext uri="{BB962C8B-B14F-4D97-AF65-F5344CB8AC3E}">
@@ -6571,6 +7126,13 @@
   <p:clrMapOvr>
     <a:masterClrMapping/>
   </p:clrMapOvr>
+  <p:timing>
+    <p:tnLst>
+      <p:par>
+        <p:cTn id="1" dur="indefinite" restart="never" nodeType="tmRoot"/>
+      </p:par>
+    </p:tnLst>
+  </p:timing>
 </p:sld>
 </file>
 
@@ -6640,32 +7202,169 @@
           <a:lstStyle/>
           <a:p>
             <a:r>
+              <a:rPr lang="es-ES" sz="3200" dirty="0" smtClean="0">
+                <a:solidFill>
+                  <a:schemeClr val="bg1">
+                    <a:lumMod val="95000"/>
+                    <a:lumOff val="5000"/>
+                  </a:schemeClr>
+                </a:solidFill>
+              </a:rPr>
+              <a:t>Transformación de antigua página Web sin “</a:t>
+            </a:r>
+            <a:r>
+              <a:rPr lang="es-ES" sz="3200" dirty="0" err="1" smtClean="0">
+                <a:solidFill>
+                  <a:schemeClr val="bg1">
+                    <a:lumMod val="95000"/>
+                    <a:lumOff val="5000"/>
+                  </a:schemeClr>
+                </a:solidFill>
+              </a:rPr>
+              <a:t>framework</a:t>
+            </a:r>
+            <a:r>
+              <a:rPr lang="es-ES" sz="3200" dirty="0" smtClean="0">
+                <a:solidFill>
+                  <a:schemeClr val="bg1">
+                    <a:lumMod val="95000"/>
+                    <a:lumOff val="5000"/>
+                  </a:schemeClr>
+                </a:solidFill>
+              </a:rPr>
+              <a:t>” para utilizar </a:t>
+            </a:r>
+            <a:r>
+              <a:rPr lang="es-ES" sz="3200" dirty="0" err="1" smtClean="0">
+                <a:solidFill>
+                  <a:schemeClr val="bg1">
+                    <a:lumMod val="95000"/>
+                    <a:lumOff val="5000"/>
+                  </a:schemeClr>
+                </a:solidFill>
+              </a:rPr>
+              <a:t>AngularJS</a:t>
+            </a:r>
+            <a:r>
+              <a:rPr lang="es-ES" sz="3200" dirty="0" smtClean="0">
+                <a:solidFill>
+                  <a:schemeClr val="bg1">
+                    <a:lumMod val="95000"/>
+                    <a:lumOff val="5000"/>
+                  </a:schemeClr>
+                </a:solidFill>
+              </a:rPr>
+              <a:t>.</a:t>
+            </a:r>
+          </a:p>
+          <a:p>
+            <a:r>
+              <a:rPr lang="es-ES" sz="3200" dirty="0" smtClean="0">
+                <a:solidFill>
+                  <a:schemeClr val="bg1">
+                    <a:lumMod val="95000"/>
+                    <a:lumOff val="5000"/>
+                  </a:schemeClr>
+                </a:solidFill>
+              </a:rPr>
+              <a:t>Utilización de Controlador de </a:t>
+            </a:r>
+            <a:r>
+              <a:rPr lang="es-ES" sz="3200" dirty="0" err="1" smtClean="0">
+                <a:solidFill>
+                  <a:schemeClr val="bg1">
+                    <a:lumMod val="95000"/>
+                    <a:lumOff val="5000"/>
+                  </a:schemeClr>
+                </a:solidFill>
+              </a:rPr>
+              <a:t>AngularJS</a:t>
+            </a:r>
+            <a:r>
+              <a:rPr lang="es-ES" sz="3200" dirty="0" smtClean="0">
+                <a:solidFill>
+                  <a:schemeClr val="bg1">
+                    <a:lumMod val="95000"/>
+                    <a:lumOff val="5000"/>
+                  </a:schemeClr>
+                </a:solidFill>
+              </a:rPr>
+              <a:t> para plantillado y </a:t>
+            </a:r>
+            <a:r>
+              <a:rPr lang="es-ES" sz="3200" dirty="0" err="1" smtClean="0">
+                <a:solidFill>
+                  <a:schemeClr val="bg1">
+                    <a:lumMod val="95000"/>
+                    <a:lumOff val="5000"/>
+                  </a:schemeClr>
+                </a:solidFill>
+              </a:rPr>
+              <a:t>enroutado</a:t>
+            </a:r>
+            <a:r>
+              <a:rPr lang="es-ES" sz="3200" dirty="0" smtClean="0">
+                <a:solidFill>
+                  <a:schemeClr val="bg1">
+                    <a:lumMod val="95000"/>
+                    <a:lumOff val="5000"/>
+                  </a:schemeClr>
+                </a:solidFill>
+              </a:rPr>
+              <a:t> ( elección de la página a cargar en cada momento</a:t>
+            </a:r>
+            <a:r>
+              <a:rPr lang="es-ES" dirty="0" smtClean="0">
+                <a:solidFill>
+                  <a:schemeClr val="bg1">
+                    <a:lumMod val="95000"/>
+                    <a:lumOff val="5000"/>
+                  </a:schemeClr>
+                </a:solidFill>
+              </a:rPr>
+              <a:t>)</a:t>
+            </a:r>
+          </a:p>
+          <a:p>
+            <a:pPr marL="0" indent="0">
+              <a:buNone/>
+            </a:pPr>
+            <a:endParaRPr lang="es-ES" dirty="0" smtClean="0"/>
+          </a:p>
+          <a:p>
+            <a:endParaRPr lang="es-ES" dirty="0"/>
+          </a:p>
+        </p:txBody>
+      </p:sp>
+      <p:sp>
+        <p:nvSpPr>
+          <p:cNvPr id="4" name="CuadroTexto 3"/>
+          <p:cNvSpPr txBox="1"/>
+          <p:nvPr/>
+        </p:nvSpPr>
+        <p:spPr>
+          <a:xfrm>
+            <a:off x="10789920" y="6035040"/>
+            <a:ext cx="638316" cy="369332"/>
+          </a:xfrm>
+          <a:prstGeom prst="rect">
+            <a:avLst/>
+          </a:prstGeom>
+          <a:noFill/>
+        </p:spPr>
+        <p:txBody>
+          <a:bodyPr wrap="none" rtlCol="0">
+            <a:spAutoFit/>
+          </a:bodyPr>
+          <a:lstStyle/>
+          <a:p>
+            <a:r>
+              <a:rPr lang="es-ES" dirty="0"/>
+              <a:t>6</a:t>
+            </a:r>
+            <a:r>
               <a:rPr lang="es-ES" dirty="0" smtClean="0"/>
-              <a:t>Transformación de antigua </a:t>
-            </a:r>
-            <a:r>
-              <a:rPr lang="es-ES" dirty="0" err="1" smtClean="0"/>
-              <a:t>pagína</a:t>
-            </a:r>
-            <a:r>
-              <a:rPr lang="es-ES" dirty="0" smtClean="0"/>
-              <a:t> Web sin </a:t>
-            </a:r>
-            <a:r>
-              <a:rPr lang="es-ES" dirty="0" err="1" smtClean="0"/>
-              <a:t>framework</a:t>
-            </a:r>
-            <a:r>
-              <a:rPr lang="es-ES" dirty="0" smtClean="0"/>
-              <a:t> para utilizar </a:t>
-            </a:r>
-            <a:r>
-              <a:rPr lang="es-ES" dirty="0" err="1" smtClean="0"/>
-              <a:t>AngularJS</a:t>
-            </a:r>
-            <a:r>
-              <a:rPr lang="es-ES" smtClean="0"/>
-              <a:t>.</a:t>
+              <a:t>/11</a:t>
             </a:r>
             <a:endParaRPr lang="es-ES" dirty="0"/>
           </a:p>
@@ -6681,6 +7380,398 @@
   <p:clrMapOvr>
     <a:masterClrMapping/>
   </p:clrMapOvr>
+  <p:timing>
+    <p:tnLst>
+      <p:par>
+        <p:cTn id="1" dur="indefinite" restart="never" nodeType="tmRoot"/>
+      </p:par>
+    </p:tnLst>
+  </p:timing>
+</p:sld>
+</file>
+
+<file path=ppt/slides/slide7.xml><?xml version="1.0" encoding="utf-8"?>
+<p:sld xmlns:a="http://schemas.openxmlformats.org/drawingml/2006/main" xmlns:r="http://schemas.openxmlformats.org/officeDocument/2006/relationships" xmlns:p="http://schemas.openxmlformats.org/presentationml/2006/main">
+  <p:cSld>
+    <p:spTree>
+      <p:nvGrpSpPr>
+        <p:cNvPr id="1" name=""/>
+        <p:cNvGrpSpPr/>
+        <p:nvPr/>
+      </p:nvGrpSpPr>
+      <p:grpSpPr>
+        <a:xfrm>
+          <a:off x="0" y="0"/>
+          <a:ext cx="0" cy="0"/>
+          <a:chOff x="0" y="0"/>
+          <a:chExt cx="0" cy="0"/>
+        </a:xfrm>
+      </p:grpSpPr>
+      <p:sp>
+        <p:nvSpPr>
+          <p:cNvPr id="2" name="Título 1"/>
+          <p:cNvSpPr>
+            <a:spLocks noGrp="1"/>
+          </p:cNvSpPr>
+          <p:nvPr>
+            <p:ph type="title"/>
+          </p:nvPr>
+        </p:nvSpPr>
+        <p:spPr>
+          <a:xfrm>
+            <a:off x="1084807" y="307218"/>
+            <a:ext cx="8534400" cy="1507067"/>
+          </a:xfrm>
+        </p:spPr>
+        <p:txBody>
+          <a:bodyPr/>
+          <a:lstStyle/>
+          <a:p>
+            <a:r>
+              <a:rPr lang="es-ES" dirty="0" smtClean="0"/>
+              <a:t>ESTRUCTURA </a:t>
+            </a:r>
+            <a:r>
+              <a:rPr lang="es-ES" dirty="0" err="1" smtClean="0"/>
+              <a:t>INICIAl</a:t>
+            </a:r>
+            <a:endParaRPr lang="es-ES" dirty="0"/>
+          </a:p>
+        </p:txBody>
+      </p:sp>
+      <p:pic>
+        <p:nvPicPr>
+          <p:cNvPr id="11" name="Marcador de contenido 10"/>
+          <p:cNvPicPr>
+            <a:picLocks noGrp="1" noChangeAspect="1"/>
+          </p:cNvPicPr>
+          <p:nvPr>
+            <p:ph idx="1"/>
+          </p:nvPr>
+        </p:nvPicPr>
+        <p:blipFill>
+          <a:blip r:embed="rId2">
+            <a:extLst>
+              <a:ext uri="{28A0092B-C50C-407E-A947-70E740481C1C}">
+                <a14:useLocalDpi xmlns:a14="http://schemas.microsoft.com/office/drawing/2010/main" val="0"/>
+              </a:ext>
+            </a:extLst>
+          </a:blip>
+          <a:stretch>
+            <a:fillRect/>
+          </a:stretch>
+        </p:blipFill>
+        <p:spPr>
+          <a:xfrm>
+            <a:off x="1021085" y="1582783"/>
+            <a:ext cx="8784766" cy="4432546"/>
+          </a:xfrm>
+        </p:spPr>
+      </p:pic>
+      <p:sp>
+        <p:nvSpPr>
+          <p:cNvPr id="12" name="CuadroTexto 11"/>
+          <p:cNvSpPr txBox="1"/>
+          <p:nvPr/>
+        </p:nvSpPr>
+        <p:spPr>
+          <a:xfrm>
+            <a:off x="10789920" y="6035040"/>
+            <a:ext cx="620683" cy="369332"/>
+          </a:xfrm>
+          <a:prstGeom prst="rect">
+            <a:avLst/>
+          </a:prstGeom>
+          <a:noFill/>
+        </p:spPr>
+        <p:txBody>
+          <a:bodyPr wrap="none" rtlCol="0">
+            <a:spAutoFit/>
+          </a:bodyPr>
+          <a:lstStyle/>
+          <a:p>
+            <a:r>
+              <a:rPr lang="es-ES" dirty="0"/>
+              <a:t>7</a:t>
+            </a:r>
+            <a:r>
+              <a:rPr lang="es-ES" dirty="0" smtClean="0"/>
+              <a:t>/11</a:t>
+            </a:r>
+            <a:endParaRPr lang="es-ES" dirty="0"/>
+          </a:p>
+        </p:txBody>
+      </p:sp>
+    </p:spTree>
+    <p:extLst>
+      <p:ext uri="{BB962C8B-B14F-4D97-AF65-F5344CB8AC3E}">
+        <p14:creationId xmlns:p14="http://schemas.microsoft.com/office/powerpoint/2010/main" val="3410745064"/>
+      </p:ext>
+    </p:extLst>
+  </p:cSld>
+  <p:clrMapOvr>
+    <a:masterClrMapping/>
+  </p:clrMapOvr>
+  <p:timing>
+    <p:tnLst>
+      <p:par>
+        <p:cTn id="1" dur="indefinite" restart="never" nodeType="tmRoot"/>
+      </p:par>
+    </p:tnLst>
+  </p:timing>
+</p:sld>
+</file>
+
+<file path=ppt/slides/slide8.xml><?xml version="1.0" encoding="utf-8"?>
+<p:sld xmlns:a="http://schemas.openxmlformats.org/drawingml/2006/main" xmlns:r="http://schemas.openxmlformats.org/officeDocument/2006/relationships" xmlns:p="http://schemas.openxmlformats.org/presentationml/2006/main">
+  <p:cSld>
+    <p:spTree>
+      <p:nvGrpSpPr>
+        <p:cNvPr id="1" name=""/>
+        <p:cNvGrpSpPr/>
+        <p:nvPr/>
+      </p:nvGrpSpPr>
+      <p:grpSpPr>
+        <a:xfrm>
+          <a:off x="0" y="0"/>
+          <a:ext cx="0" cy="0"/>
+          <a:chOff x="0" y="0"/>
+          <a:chExt cx="0" cy="0"/>
+        </a:xfrm>
+      </p:grpSpPr>
+      <p:sp>
+        <p:nvSpPr>
+          <p:cNvPr id="2" name="Título 1"/>
+          <p:cNvSpPr>
+            <a:spLocks noGrp="1"/>
+          </p:cNvSpPr>
+          <p:nvPr>
+            <p:ph type="title"/>
+          </p:nvPr>
+        </p:nvSpPr>
+        <p:spPr>
+          <a:xfrm>
+            <a:off x="666795" y="276283"/>
+            <a:ext cx="8534400" cy="1507067"/>
+          </a:xfrm>
+        </p:spPr>
+        <p:txBody>
+          <a:bodyPr/>
+          <a:lstStyle/>
+          <a:p>
+            <a:r>
+              <a:rPr lang="es-ES" dirty="0" smtClean="0"/>
+              <a:t>Estructura </a:t>
+            </a:r>
+            <a:r>
+              <a:rPr lang="es-ES" dirty="0" err="1" smtClean="0"/>
+              <a:t>angularjs</a:t>
+            </a:r>
+            <a:endParaRPr lang="es-ES" dirty="0"/>
+          </a:p>
+        </p:txBody>
+      </p:sp>
+      <p:pic>
+        <p:nvPicPr>
+          <p:cNvPr id="4" name="Marcador de contenido 3"/>
+          <p:cNvPicPr>
+            <a:picLocks noGrp="1" noChangeAspect="1"/>
+          </p:cNvPicPr>
+          <p:nvPr>
+            <p:ph idx="1"/>
+          </p:nvPr>
+        </p:nvPicPr>
+        <p:blipFill>
+          <a:blip r:embed="rId2">
+            <a:extLst>
+              <a:ext uri="{28A0092B-C50C-407E-A947-70E740481C1C}">
+                <a14:useLocalDpi xmlns:a14="http://schemas.microsoft.com/office/drawing/2010/main" val="0"/>
+              </a:ext>
+            </a:extLst>
+          </a:blip>
+          <a:stretch>
+            <a:fillRect/>
+          </a:stretch>
+        </p:blipFill>
+        <p:spPr>
+          <a:xfrm>
+            <a:off x="1071154" y="1574344"/>
+            <a:ext cx="7898675" cy="4863292"/>
+          </a:xfrm>
+        </p:spPr>
+      </p:pic>
+      <p:sp>
+        <p:nvSpPr>
+          <p:cNvPr id="5" name="CuadroTexto 4"/>
+          <p:cNvSpPr txBox="1"/>
+          <p:nvPr/>
+        </p:nvSpPr>
+        <p:spPr>
+          <a:xfrm>
+            <a:off x="10789920" y="6035040"/>
+            <a:ext cx="638316" cy="369332"/>
+          </a:xfrm>
+          <a:prstGeom prst="rect">
+            <a:avLst/>
+          </a:prstGeom>
+          <a:noFill/>
+        </p:spPr>
+        <p:txBody>
+          <a:bodyPr wrap="none" rtlCol="0">
+            <a:spAutoFit/>
+          </a:bodyPr>
+          <a:lstStyle/>
+          <a:p>
+            <a:r>
+              <a:rPr lang="es-ES" dirty="0"/>
+              <a:t>8</a:t>
+            </a:r>
+            <a:r>
+              <a:rPr lang="es-ES" dirty="0" smtClean="0"/>
+              <a:t>/11</a:t>
+            </a:r>
+            <a:endParaRPr lang="es-ES" dirty="0"/>
+          </a:p>
+        </p:txBody>
+      </p:sp>
+    </p:spTree>
+    <p:extLst>
+      <p:ext uri="{BB962C8B-B14F-4D97-AF65-F5344CB8AC3E}">
+        <p14:creationId xmlns:p14="http://schemas.microsoft.com/office/powerpoint/2010/main" val="3968973341"/>
+      </p:ext>
+    </p:extLst>
+  </p:cSld>
+  <p:clrMapOvr>
+    <a:masterClrMapping/>
+  </p:clrMapOvr>
+  <p:timing>
+    <p:tnLst>
+      <p:par>
+        <p:cTn id="1" dur="indefinite" restart="never" nodeType="tmRoot"/>
+      </p:par>
+    </p:tnLst>
+  </p:timing>
+</p:sld>
+</file>
+
+<file path=ppt/slides/slide9.xml><?xml version="1.0" encoding="utf-8"?>
+<p:sld xmlns:a="http://schemas.openxmlformats.org/drawingml/2006/main" xmlns:r="http://schemas.openxmlformats.org/officeDocument/2006/relationships" xmlns:p="http://schemas.openxmlformats.org/presentationml/2006/main">
+  <p:cSld>
+    <p:spTree>
+      <p:nvGrpSpPr>
+        <p:cNvPr id="1" name=""/>
+        <p:cNvGrpSpPr/>
+        <p:nvPr/>
+      </p:nvGrpSpPr>
+      <p:grpSpPr>
+        <a:xfrm>
+          <a:off x="0" y="0"/>
+          <a:ext cx="0" cy="0"/>
+          <a:chOff x="0" y="0"/>
+          <a:chExt cx="0" cy="0"/>
+        </a:xfrm>
+      </p:grpSpPr>
+      <p:sp>
+        <p:nvSpPr>
+          <p:cNvPr id="2" name="Título 1"/>
+          <p:cNvSpPr>
+            <a:spLocks noGrp="1"/>
+          </p:cNvSpPr>
+          <p:nvPr>
+            <p:ph type="title"/>
+          </p:nvPr>
+        </p:nvSpPr>
+        <p:spPr>
+          <a:xfrm>
+            <a:off x="684212" y="346166"/>
+            <a:ext cx="8534400" cy="1507067"/>
+          </a:xfrm>
+        </p:spPr>
+        <p:txBody>
+          <a:bodyPr/>
+          <a:lstStyle/>
+          <a:p>
+            <a:r>
+              <a:rPr lang="es-ES" dirty="0" smtClean="0"/>
+              <a:t>Un poco de código …</a:t>
+            </a:r>
+            <a:endParaRPr lang="es-ES" dirty="0"/>
+          </a:p>
+        </p:txBody>
+      </p:sp>
+      <p:pic>
+        <p:nvPicPr>
+          <p:cNvPr id="6" name="Marcador de contenido 5"/>
+          <p:cNvPicPr>
+            <a:picLocks noGrp="1" noChangeAspect="1"/>
+          </p:cNvPicPr>
+          <p:nvPr>
+            <p:ph idx="1"/>
+          </p:nvPr>
+        </p:nvPicPr>
+        <p:blipFill>
+          <a:blip r:embed="rId2"/>
+          <a:stretch>
+            <a:fillRect/>
+          </a:stretch>
+        </p:blipFill>
+        <p:spPr>
+          <a:xfrm>
+            <a:off x="806132" y="2706673"/>
+            <a:ext cx="8534400" cy="1750413"/>
+          </a:xfrm>
+          <a:prstGeom prst="rect">
+            <a:avLst/>
+          </a:prstGeom>
+        </p:spPr>
+      </p:pic>
+      <p:sp>
+        <p:nvSpPr>
+          <p:cNvPr id="8" name="CuadroTexto 7"/>
+          <p:cNvSpPr txBox="1"/>
+          <p:nvPr/>
+        </p:nvSpPr>
+        <p:spPr>
+          <a:xfrm>
+            <a:off x="10789920" y="6035040"/>
+            <a:ext cx="638316" cy="369332"/>
+          </a:xfrm>
+          <a:prstGeom prst="rect">
+            <a:avLst/>
+          </a:prstGeom>
+          <a:noFill/>
+        </p:spPr>
+        <p:txBody>
+          <a:bodyPr wrap="none" rtlCol="0">
+            <a:spAutoFit/>
+          </a:bodyPr>
+          <a:lstStyle/>
+          <a:p>
+            <a:r>
+              <a:rPr lang="es-ES" dirty="0" smtClean="0"/>
+              <a:t>9/11</a:t>
+            </a:r>
+            <a:endParaRPr lang="es-ES" dirty="0"/>
+          </a:p>
+        </p:txBody>
+      </p:sp>
+    </p:spTree>
+    <p:extLst>
+      <p:ext uri="{BB962C8B-B14F-4D97-AF65-F5344CB8AC3E}">
+        <p14:creationId xmlns:p14="http://schemas.microsoft.com/office/powerpoint/2010/main" val="2082515050"/>
+      </p:ext>
+    </p:extLst>
+  </p:cSld>
+  <p:clrMapOvr>
+    <a:masterClrMapping/>
+  </p:clrMapOvr>
+  <p:timing>
+    <p:tnLst>
+      <p:par>
+        <p:cTn id="1" dur="indefinite" restart="never" nodeType="tmRoot"/>
+      </p:par>
+    </p:tnLst>
+  </p:timing>
 </p:sld>
 </file>
 
